--- a/control_flow.pptx
+++ b/control_flow.pptx
@@ -5,13 +5,14 @@
     <p:sldMasterId id="2147483660" r:id="rId1"/>
   </p:sldMasterIdLst>
   <p:notesMasterIdLst>
-    <p:notesMasterId r:id="rId6"/>
+    <p:notesMasterId r:id="rId7"/>
   </p:notesMasterIdLst>
   <p:sldIdLst>
     <p:sldId id="256" r:id="rId2"/>
     <p:sldId id="257" r:id="rId3"/>
     <p:sldId id="258" r:id="rId4"/>
-    <p:sldId id="259" r:id="rId5"/>
+    <p:sldId id="260" r:id="rId5"/>
+    <p:sldId id="259" r:id="rId6"/>
   </p:sldIdLst>
   <p:sldSz cx="12192000" cy="6858000"/>
   <p:notesSz cx="6858000" cy="9144000"/>
@@ -110,6 +111,11 @@
       </a:defRPr>
     </a:lvl9pPr>
   </p:defaultTextStyle>
+  <p:extLst>
+    <p:ext uri="{EFAFB233-063F-42B5-8137-9DF3F51BA10A}">
+      <p15:sldGuideLst xmlns:p15="http://schemas.microsoft.com/office/powerpoint/2012/main"/>
+    </p:ext>
+  </p:extLst>
 </p:presentation>
 </file>
 
@@ -195,7 +201,7 @@
           <a:p>
             <a:fld id="{D27A4D46-7AB0-4AFC-9F9A-C4A748BA7037}" type="datetimeFigureOut">
               <a:rPr lang="en-US" smtClean="0"/>
-              <a:t>9/8/2021</a:t>
+              <a:t>9/13/2021</a:t>
             </a:fld>
             <a:endParaRPr lang="en-US"/>
           </a:p>
@@ -684,7 +690,7 @@
           <a:p>
             <a:fld id="{059615B8-7E3E-4482-9DDF-B303C789553A}" type="datetimeFigureOut">
               <a:rPr lang="en-US" smtClean="0"/>
-              <a:t>9/8/2021</a:t>
+              <a:t>9/13/2021</a:t>
             </a:fld>
             <a:endParaRPr lang="en-US"/>
           </a:p>
@@ -854,7 +860,7 @@
           <a:p>
             <a:fld id="{059615B8-7E3E-4482-9DDF-B303C789553A}" type="datetimeFigureOut">
               <a:rPr lang="en-US" smtClean="0"/>
-              <a:t>9/8/2021</a:t>
+              <a:t>9/13/2021</a:t>
             </a:fld>
             <a:endParaRPr lang="en-US"/>
           </a:p>
@@ -1034,7 +1040,7 @@
           <a:p>
             <a:fld id="{059615B8-7E3E-4482-9DDF-B303C789553A}" type="datetimeFigureOut">
               <a:rPr lang="en-US" smtClean="0"/>
-              <a:t>9/8/2021</a:t>
+              <a:t>9/13/2021</a:t>
             </a:fld>
             <a:endParaRPr lang="en-US"/>
           </a:p>
@@ -1204,7 +1210,7 @@
           <a:p>
             <a:fld id="{059615B8-7E3E-4482-9DDF-B303C789553A}" type="datetimeFigureOut">
               <a:rPr lang="en-US" smtClean="0"/>
-              <a:t>9/8/2021</a:t>
+              <a:t>9/13/2021</a:t>
             </a:fld>
             <a:endParaRPr lang="en-US"/>
           </a:p>
@@ -1450,7 +1456,7 @@
           <a:p>
             <a:fld id="{059615B8-7E3E-4482-9DDF-B303C789553A}" type="datetimeFigureOut">
               <a:rPr lang="en-US" smtClean="0"/>
-              <a:t>9/8/2021</a:t>
+              <a:t>9/13/2021</a:t>
             </a:fld>
             <a:endParaRPr lang="en-US"/>
           </a:p>
@@ -1682,7 +1688,7 @@
           <a:p>
             <a:fld id="{059615B8-7E3E-4482-9DDF-B303C789553A}" type="datetimeFigureOut">
               <a:rPr lang="en-US" smtClean="0"/>
-              <a:t>9/8/2021</a:t>
+              <a:t>9/13/2021</a:t>
             </a:fld>
             <a:endParaRPr lang="en-US"/>
           </a:p>
@@ -2049,7 +2055,7 @@
           <a:p>
             <a:fld id="{059615B8-7E3E-4482-9DDF-B303C789553A}" type="datetimeFigureOut">
               <a:rPr lang="en-US" smtClean="0"/>
-              <a:t>9/8/2021</a:t>
+              <a:t>9/13/2021</a:t>
             </a:fld>
             <a:endParaRPr lang="en-US"/>
           </a:p>
@@ -2167,7 +2173,7 @@
           <a:p>
             <a:fld id="{059615B8-7E3E-4482-9DDF-B303C789553A}" type="datetimeFigureOut">
               <a:rPr lang="en-US" smtClean="0"/>
-              <a:t>9/8/2021</a:t>
+              <a:t>9/13/2021</a:t>
             </a:fld>
             <a:endParaRPr lang="en-US"/>
           </a:p>
@@ -2262,7 +2268,7 @@
           <a:p>
             <a:fld id="{059615B8-7E3E-4482-9DDF-B303C789553A}" type="datetimeFigureOut">
               <a:rPr lang="en-US" smtClean="0"/>
-              <a:t>9/8/2021</a:t>
+              <a:t>9/13/2021</a:t>
             </a:fld>
             <a:endParaRPr lang="en-US"/>
           </a:p>
@@ -2539,7 +2545,7 @@
           <a:p>
             <a:fld id="{059615B8-7E3E-4482-9DDF-B303C789553A}" type="datetimeFigureOut">
               <a:rPr lang="en-US" smtClean="0"/>
-              <a:t>9/8/2021</a:t>
+              <a:t>9/13/2021</a:t>
             </a:fld>
             <a:endParaRPr lang="en-US"/>
           </a:p>
@@ -2796,7 +2802,7 @@
           <a:p>
             <a:fld id="{059615B8-7E3E-4482-9DDF-B303C789553A}" type="datetimeFigureOut">
               <a:rPr lang="en-US" smtClean="0"/>
-              <a:t>9/8/2021</a:t>
+              <a:t>9/13/2021</a:t>
             </a:fld>
             <a:endParaRPr lang="en-US"/>
           </a:p>
@@ -3009,7 +3015,7 @@
           <a:p>
             <a:fld id="{059615B8-7E3E-4482-9DDF-B303C789553A}" type="datetimeFigureOut">
               <a:rPr lang="en-US" smtClean="0"/>
-              <a:t>9/8/2021</a:t>
+              <a:t>9/13/2021</a:t>
             </a:fld>
             <a:endParaRPr lang="en-US"/>
           </a:p>
@@ -3748,6 +3754,153 @@
 </file>
 
 <file path=ppt/slides/slide4.xml><?xml version="1.0" encoding="utf-8"?>
+<p:sld xmlns:a="http://schemas.openxmlformats.org/drawingml/2006/main" xmlns:r="http://schemas.openxmlformats.org/officeDocument/2006/relationships" xmlns:p="http://schemas.openxmlformats.org/presentationml/2006/main">
+  <p:cSld>
+    <p:spTree>
+      <p:nvGrpSpPr>
+        <p:cNvPr id="1" name=""/>
+        <p:cNvGrpSpPr/>
+        <p:nvPr/>
+      </p:nvGrpSpPr>
+      <p:grpSpPr>
+        <a:xfrm>
+          <a:off x="0" y="0"/>
+          <a:ext cx="0" cy="0"/>
+          <a:chOff x="0" y="0"/>
+          <a:chExt cx="0" cy="0"/>
+        </a:xfrm>
+      </p:grpSpPr>
+      <p:sp>
+        <p:nvSpPr>
+          <p:cNvPr id="2" name="Title 1">
+            <a:extLst>
+              <a:ext uri="{FF2B5EF4-FFF2-40B4-BE49-F238E27FC236}">
+                <a16:creationId xmlns:a16="http://schemas.microsoft.com/office/drawing/2014/main" id="{2DB23AE8-053E-41AA-971B-410380317929}"/>
+              </a:ext>
+            </a:extLst>
+          </p:cNvPr>
+          <p:cNvSpPr>
+            <a:spLocks noGrp="1"/>
+          </p:cNvSpPr>
+          <p:nvPr>
+            <p:ph type="title"/>
+          </p:nvPr>
+        </p:nvSpPr>
+        <p:spPr/>
+        <p:txBody>
+          <a:bodyPr/>
+          <a:lstStyle/>
+          <a:p>
+            <a:r>
+              <a:rPr lang="en-US" dirty="0"/>
+              <a:t>Bonus Stuff</a:t>
+            </a:r>
+          </a:p>
+        </p:txBody>
+      </p:sp>
+      <p:sp>
+        <p:nvSpPr>
+          <p:cNvPr id="3" name="Content Placeholder 2">
+            <a:extLst>
+              <a:ext uri="{FF2B5EF4-FFF2-40B4-BE49-F238E27FC236}">
+                <a16:creationId xmlns:a16="http://schemas.microsoft.com/office/drawing/2014/main" id="{F1FFF2A5-7C27-41BB-8D14-51124C316DD8}"/>
+              </a:ext>
+            </a:extLst>
+          </p:cNvPr>
+          <p:cNvSpPr>
+            <a:spLocks noGrp="1"/>
+          </p:cNvSpPr>
+          <p:nvPr>
+            <p:ph idx="1"/>
+          </p:nvPr>
+        </p:nvSpPr>
+        <p:spPr/>
+        <p:txBody>
+          <a:bodyPr/>
+          <a:lstStyle/>
+          <a:p>
+            <a:pPr marL="0" indent="0">
+              <a:buNone/>
+            </a:pPr>
+            <a:r>
+              <a:rPr lang="en-US" dirty="0"/>
+              <a:t>Truthy and </a:t>
+            </a:r>
+            <a:r>
+              <a:rPr lang="en-US" dirty="0" err="1"/>
+              <a:t>Falsey</a:t>
+            </a:r>
+            <a:r>
+              <a:rPr lang="en-US" dirty="0"/>
+              <a:t> Values</a:t>
+            </a:r>
+          </a:p>
+          <a:p>
+            <a:pPr marL="0" indent="0">
+              <a:buNone/>
+            </a:pPr>
+            <a:endParaRPr lang="en-US" dirty="0"/>
+          </a:p>
+          <a:p>
+            <a:pPr marL="0" indent="0">
+              <a:buNone/>
+            </a:pPr>
+            <a:r>
+              <a:rPr lang="en-US" dirty="0">
+                <a:latin typeface="Consolas" panose="020B0609020204030204" pitchFamily="49" charset="0"/>
+              </a:rPr>
+              <a:t>None</a:t>
+            </a:r>
+          </a:p>
+          <a:p>
+            <a:pPr marL="0" indent="0">
+              <a:buNone/>
+            </a:pPr>
+            <a:endParaRPr lang="en-US" dirty="0"/>
+          </a:p>
+          <a:p>
+            <a:pPr marL="0" indent="0">
+              <a:buNone/>
+            </a:pPr>
+            <a:r>
+              <a:rPr lang="en-US" dirty="0"/>
+              <a:t>Built-In functions: </a:t>
+            </a:r>
+            <a:r>
+              <a:rPr lang="en-US" dirty="0">
+                <a:latin typeface="Consolas" panose="020B0609020204030204" pitchFamily="49" charset="0"/>
+              </a:rPr>
+              <a:t>sum, </a:t>
+            </a:r>
+            <a:r>
+              <a:rPr lang="en-US" dirty="0" err="1">
+                <a:latin typeface="Consolas" panose="020B0609020204030204" pitchFamily="49" charset="0"/>
+              </a:rPr>
+              <a:t>len</a:t>
+            </a:r>
+            <a:r>
+              <a:rPr lang="en-US" dirty="0">
+                <a:latin typeface="Consolas" panose="020B0609020204030204" pitchFamily="49" charset="0"/>
+              </a:rPr>
+              <a:t>, min, max</a:t>
+            </a:r>
+          </a:p>
+        </p:txBody>
+      </p:sp>
+    </p:spTree>
+    <p:extLst>
+      <p:ext uri="{BB962C8B-B14F-4D97-AF65-F5344CB8AC3E}">
+        <p14:creationId xmlns:p14="http://schemas.microsoft.com/office/powerpoint/2010/main" val="424245038"/>
+      </p:ext>
+    </p:extLst>
+  </p:cSld>
+  <p:clrMapOvr>
+    <a:masterClrMapping/>
+  </p:clrMapOvr>
+</p:sld>
+</file>
+
+<file path=ppt/slides/slide5.xml><?xml version="1.0" encoding="utf-8"?>
 <p:sld xmlns:a="http://schemas.openxmlformats.org/drawingml/2006/main" xmlns:r="http://schemas.openxmlformats.org/officeDocument/2006/relationships" xmlns:p="http://schemas.openxmlformats.org/presentationml/2006/main">
   <p:cSld>
     <p:spTree>
